--- a/EARLI2025_Edelsbrunner_LikertvsVAS.pptx
+++ b/EARLI2025_Edelsbrunner_LikertvsVAS.pptx
@@ -282,7 +282,7 @@
           <a:p>
             <a:fld id="{B719E933-6DC1-4EA1-A338-405FF0A7A2DC}" type="datetimeFigureOut">
               <a:rPr lang="de-DE" smtClean="0"/>
-              <a:t>17.08.2025</a:t>
+              <a:t>27.08.2025</a:t>
             </a:fld>
             <a:endParaRPr lang="de-DE"/>
           </a:p>
@@ -480,7 +480,7 @@
           <a:p>
             <a:fld id="{B719E933-6DC1-4EA1-A338-405FF0A7A2DC}" type="datetimeFigureOut">
               <a:rPr lang="de-DE" smtClean="0"/>
-              <a:t>17.08.2025</a:t>
+              <a:t>27.08.2025</a:t>
             </a:fld>
             <a:endParaRPr lang="de-DE"/>
           </a:p>
@@ -688,7 +688,7 @@
           <a:p>
             <a:fld id="{B719E933-6DC1-4EA1-A338-405FF0A7A2DC}" type="datetimeFigureOut">
               <a:rPr lang="de-DE" smtClean="0"/>
-              <a:t>17.08.2025</a:t>
+              <a:t>27.08.2025</a:t>
             </a:fld>
             <a:endParaRPr lang="de-DE"/>
           </a:p>
@@ -886,7 +886,7 @@
           <a:p>
             <a:fld id="{B719E933-6DC1-4EA1-A338-405FF0A7A2DC}" type="datetimeFigureOut">
               <a:rPr lang="de-DE" smtClean="0"/>
-              <a:t>17.08.2025</a:t>
+              <a:t>27.08.2025</a:t>
             </a:fld>
             <a:endParaRPr lang="de-DE"/>
           </a:p>
@@ -1161,7 +1161,7 @@
           <a:p>
             <a:fld id="{B719E933-6DC1-4EA1-A338-405FF0A7A2DC}" type="datetimeFigureOut">
               <a:rPr lang="de-DE" smtClean="0"/>
-              <a:t>17.08.2025</a:t>
+              <a:t>27.08.2025</a:t>
             </a:fld>
             <a:endParaRPr lang="de-DE"/>
           </a:p>
@@ -1426,7 +1426,7 @@
           <a:p>
             <a:fld id="{B719E933-6DC1-4EA1-A338-405FF0A7A2DC}" type="datetimeFigureOut">
               <a:rPr lang="de-DE" smtClean="0"/>
-              <a:t>17.08.2025</a:t>
+              <a:t>27.08.2025</a:t>
             </a:fld>
             <a:endParaRPr lang="de-DE"/>
           </a:p>
@@ -1838,7 +1838,7 @@
           <a:p>
             <a:fld id="{B719E933-6DC1-4EA1-A338-405FF0A7A2DC}" type="datetimeFigureOut">
               <a:rPr lang="de-DE" smtClean="0"/>
-              <a:t>17.08.2025</a:t>
+              <a:t>27.08.2025</a:t>
             </a:fld>
             <a:endParaRPr lang="de-DE"/>
           </a:p>
@@ -1979,7 +1979,7 @@
           <a:p>
             <a:fld id="{B719E933-6DC1-4EA1-A338-405FF0A7A2DC}" type="datetimeFigureOut">
               <a:rPr lang="de-DE" smtClean="0"/>
-              <a:t>17.08.2025</a:t>
+              <a:t>27.08.2025</a:t>
             </a:fld>
             <a:endParaRPr lang="de-DE"/>
           </a:p>
@@ -2092,7 +2092,7 @@
           <a:p>
             <a:fld id="{B719E933-6DC1-4EA1-A338-405FF0A7A2DC}" type="datetimeFigureOut">
               <a:rPr lang="de-DE" smtClean="0"/>
-              <a:t>17.08.2025</a:t>
+              <a:t>27.08.2025</a:t>
             </a:fld>
             <a:endParaRPr lang="de-DE"/>
           </a:p>
@@ -2403,7 +2403,7 @@
           <a:p>
             <a:fld id="{B719E933-6DC1-4EA1-A338-405FF0A7A2DC}" type="datetimeFigureOut">
               <a:rPr lang="de-DE" smtClean="0"/>
-              <a:t>17.08.2025</a:t>
+              <a:t>27.08.2025</a:t>
             </a:fld>
             <a:endParaRPr lang="de-DE"/>
           </a:p>
@@ -2691,7 +2691,7 @@
           <a:p>
             <a:fld id="{B719E933-6DC1-4EA1-A338-405FF0A7A2DC}" type="datetimeFigureOut">
               <a:rPr lang="de-DE" smtClean="0"/>
-              <a:t>17.08.2025</a:t>
+              <a:t>27.08.2025</a:t>
             </a:fld>
             <a:endParaRPr lang="de-DE"/>
           </a:p>
@@ -2932,7 +2932,7 @@
           <a:p>
             <a:fld id="{B719E933-6DC1-4EA1-A338-405FF0A7A2DC}" type="datetimeFigureOut">
               <a:rPr lang="de-DE" smtClean="0"/>
-              <a:t>17.08.2025</a:t>
+              <a:t>27.08.2025</a:t>
             </a:fld>
             <a:endParaRPr lang="de-DE"/>
           </a:p>
@@ -3880,7 +3880,7 @@
           <a:lstStyle/>
           <a:p>
             <a:r>
-              <a:rPr lang="de-DE" dirty="0" err="1">
+              <a:rPr lang="de-DE" i="1" dirty="0" err="1">
                 <a:solidFill>
                   <a:schemeClr val="bg1"/>
                 </a:solidFill>
@@ -10231,6 +10231,222 @@
   <p:clrMapOvr>
     <a:masterClrMapping/>
   </p:clrMapOvr>
+  <p:timing>
+    <p:tnLst>
+      <p:par>
+        <p:cTn id="1" dur="indefinite" restart="never" nodeType="tmRoot">
+          <p:childTnLst>
+            <p:seq concurrent="1" nextAc="seek">
+              <p:cTn id="2" dur="indefinite" nodeType="mainSeq">
+                <p:childTnLst>
+                  <p:par>
+                    <p:cTn id="3" fill="hold">
+                      <p:stCondLst>
+                        <p:cond delay="indefinite"/>
+                      </p:stCondLst>
+                      <p:childTnLst>
+                        <p:par>
+                          <p:cTn id="4" fill="hold">
+                            <p:stCondLst>
+                              <p:cond delay="0"/>
+                            </p:stCondLst>
+                            <p:childTnLst>
+                              <p:par>
+                                <p:cTn id="5" presetID="1" presetClass="entr" presetSubtype="0" fill="hold" grpId="0" nodeType="clickEffect">
+                                  <p:stCondLst>
+                                    <p:cond delay="0"/>
+                                  </p:stCondLst>
+                                  <p:childTnLst>
+                                    <p:set>
+                                      <p:cBhvr>
+                                        <p:cTn id="6" dur="1" fill="hold">
+                                          <p:stCondLst>
+                                            <p:cond delay="0"/>
+                                          </p:stCondLst>
+                                        </p:cTn>
+                                        <p:tgtEl>
+                                          <p:spTgt spid="7"/>
+                                        </p:tgtEl>
+                                        <p:attrNameLst>
+                                          <p:attrName>style.visibility</p:attrName>
+                                        </p:attrNameLst>
+                                      </p:cBhvr>
+                                      <p:to>
+                                        <p:strVal val="visible"/>
+                                      </p:to>
+                                    </p:set>
+                                  </p:childTnLst>
+                                </p:cTn>
+                              </p:par>
+                            </p:childTnLst>
+                          </p:cTn>
+                        </p:par>
+                      </p:childTnLst>
+                    </p:cTn>
+                  </p:par>
+                  <p:par>
+                    <p:cTn id="7" fill="hold">
+                      <p:stCondLst>
+                        <p:cond delay="indefinite"/>
+                      </p:stCondLst>
+                      <p:childTnLst>
+                        <p:par>
+                          <p:cTn id="8" fill="hold">
+                            <p:stCondLst>
+                              <p:cond delay="0"/>
+                            </p:stCondLst>
+                            <p:childTnLst>
+                              <p:par>
+                                <p:cTn id="9" presetID="1" presetClass="entr" presetSubtype="0" fill="hold" grpId="0" nodeType="clickEffect">
+                                  <p:stCondLst>
+                                    <p:cond delay="0"/>
+                                  </p:stCondLst>
+                                  <p:childTnLst>
+                                    <p:set>
+                                      <p:cBhvr>
+                                        <p:cTn id="10" dur="1" fill="hold">
+                                          <p:stCondLst>
+                                            <p:cond delay="0"/>
+                                          </p:stCondLst>
+                                        </p:cTn>
+                                        <p:tgtEl>
+                                          <p:spTgt spid="8"/>
+                                        </p:tgtEl>
+                                        <p:attrNameLst>
+                                          <p:attrName>style.visibility</p:attrName>
+                                        </p:attrNameLst>
+                                      </p:cBhvr>
+                                      <p:to>
+                                        <p:strVal val="visible"/>
+                                      </p:to>
+                                    </p:set>
+                                  </p:childTnLst>
+                                </p:cTn>
+                              </p:par>
+                            </p:childTnLst>
+                          </p:cTn>
+                        </p:par>
+                      </p:childTnLst>
+                    </p:cTn>
+                  </p:par>
+                  <p:par>
+                    <p:cTn id="11" fill="hold">
+                      <p:stCondLst>
+                        <p:cond delay="indefinite"/>
+                      </p:stCondLst>
+                      <p:childTnLst>
+                        <p:par>
+                          <p:cTn id="12" fill="hold">
+                            <p:stCondLst>
+                              <p:cond delay="0"/>
+                            </p:stCondLst>
+                            <p:childTnLst>
+                              <p:par>
+                                <p:cTn id="13" presetID="1" presetClass="entr" presetSubtype="0" fill="hold" grpId="0" nodeType="clickEffect">
+                                  <p:stCondLst>
+                                    <p:cond delay="0"/>
+                                  </p:stCondLst>
+                                  <p:childTnLst>
+                                    <p:set>
+                                      <p:cBhvr>
+                                        <p:cTn id="14" dur="1" fill="hold">
+                                          <p:stCondLst>
+                                            <p:cond delay="0"/>
+                                          </p:stCondLst>
+                                        </p:cTn>
+                                        <p:tgtEl>
+                                          <p:spTgt spid="9"/>
+                                        </p:tgtEl>
+                                        <p:attrNameLst>
+                                          <p:attrName>style.visibility</p:attrName>
+                                        </p:attrNameLst>
+                                      </p:cBhvr>
+                                      <p:to>
+                                        <p:strVal val="visible"/>
+                                      </p:to>
+                                    </p:set>
+                                  </p:childTnLst>
+                                </p:cTn>
+                              </p:par>
+                            </p:childTnLst>
+                          </p:cTn>
+                        </p:par>
+                      </p:childTnLst>
+                    </p:cTn>
+                  </p:par>
+                  <p:par>
+                    <p:cTn id="15" fill="hold">
+                      <p:stCondLst>
+                        <p:cond delay="indefinite"/>
+                      </p:stCondLst>
+                      <p:childTnLst>
+                        <p:par>
+                          <p:cTn id="16" fill="hold">
+                            <p:stCondLst>
+                              <p:cond delay="0"/>
+                            </p:stCondLst>
+                            <p:childTnLst>
+                              <p:par>
+                                <p:cTn id="17" presetID="1" presetClass="entr" presetSubtype="0" fill="hold" grpId="0" nodeType="clickEffect">
+                                  <p:stCondLst>
+                                    <p:cond delay="0"/>
+                                  </p:stCondLst>
+                                  <p:childTnLst>
+                                    <p:set>
+                                      <p:cBhvr>
+                                        <p:cTn id="18" dur="1" fill="hold">
+                                          <p:stCondLst>
+                                            <p:cond delay="0"/>
+                                          </p:stCondLst>
+                                        </p:cTn>
+                                        <p:tgtEl>
+                                          <p:spTgt spid="10"/>
+                                        </p:tgtEl>
+                                        <p:attrNameLst>
+                                          <p:attrName>style.visibility</p:attrName>
+                                        </p:attrNameLst>
+                                      </p:cBhvr>
+                                      <p:to>
+                                        <p:strVal val="visible"/>
+                                      </p:to>
+                                    </p:set>
+                                  </p:childTnLst>
+                                </p:cTn>
+                              </p:par>
+                            </p:childTnLst>
+                          </p:cTn>
+                        </p:par>
+                      </p:childTnLst>
+                    </p:cTn>
+                  </p:par>
+                </p:childTnLst>
+              </p:cTn>
+              <p:prevCondLst>
+                <p:cond evt="onPrev" delay="0">
+                  <p:tgtEl>
+                    <p:sldTgt/>
+                  </p:tgtEl>
+                </p:cond>
+              </p:prevCondLst>
+              <p:nextCondLst>
+                <p:cond evt="onNext" delay="0">
+                  <p:tgtEl>
+                    <p:sldTgt/>
+                  </p:tgtEl>
+                </p:cond>
+              </p:nextCondLst>
+            </p:seq>
+          </p:childTnLst>
+        </p:cTn>
+      </p:par>
+    </p:tnLst>
+    <p:bldLst>
+      <p:bldP spid="7" grpId="0"/>
+      <p:bldP spid="8" grpId="0"/>
+      <p:bldP spid="9" grpId="0"/>
+      <p:bldP spid="10" grpId="0"/>
+    </p:bldLst>
+  </p:timing>
 </p:sld>
 </file>
 
@@ -11323,6 +11539,222 @@
   <p:clrMapOvr>
     <a:masterClrMapping/>
   </p:clrMapOvr>
+  <p:timing>
+    <p:tnLst>
+      <p:par>
+        <p:cTn id="1" dur="indefinite" restart="never" nodeType="tmRoot">
+          <p:childTnLst>
+            <p:seq concurrent="1" nextAc="seek">
+              <p:cTn id="2" dur="indefinite" nodeType="mainSeq">
+                <p:childTnLst>
+                  <p:par>
+                    <p:cTn id="3" fill="hold">
+                      <p:stCondLst>
+                        <p:cond delay="indefinite"/>
+                      </p:stCondLst>
+                      <p:childTnLst>
+                        <p:par>
+                          <p:cTn id="4" fill="hold">
+                            <p:stCondLst>
+                              <p:cond delay="0"/>
+                            </p:stCondLst>
+                            <p:childTnLst>
+                              <p:par>
+                                <p:cTn id="5" presetID="1" presetClass="entr" presetSubtype="0" fill="hold" grpId="0" nodeType="clickEffect">
+                                  <p:stCondLst>
+                                    <p:cond delay="0"/>
+                                  </p:stCondLst>
+                                  <p:childTnLst>
+                                    <p:set>
+                                      <p:cBhvr>
+                                        <p:cTn id="6" dur="1" fill="hold">
+                                          <p:stCondLst>
+                                            <p:cond delay="0"/>
+                                          </p:stCondLst>
+                                        </p:cTn>
+                                        <p:tgtEl>
+                                          <p:spTgt spid="7"/>
+                                        </p:tgtEl>
+                                        <p:attrNameLst>
+                                          <p:attrName>style.visibility</p:attrName>
+                                        </p:attrNameLst>
+                                      </p:cBhvr>
+                                      <p:to>
+                                        <p:strVal val="visible"/>
+                                      </p:to>
+                                    </p:set>
+                                  </p:childTnLst>
+                                </p:cTn>
+                              </p:par>
+                            </p:childTnLst>
+                          </p:cTn>
+                        </p:par>
+                      </p:childTnLst>
+                    </p:cTn>
+                  </p:par>
+                  <p:par>
+                    <p:cTn id="7" fill="hold">
+                      <p:stCondLst>
+                        <p:cond delay="indefinite"/>
+                      </p:stCondLst>
+                      <p:childTnLst>
+                        <p:par>
+                          <p:cTn id="8" fill="hold">
+                            <p:stCondLst>
+                              <p:cond delay="0"/>
+                            </p:stCondLst>
+                            <p:childTnLst>
+                              <p:par>
+                                <p:cTn id="9" presetID="1" presetClass="entr" presetSubtype="0" fill="hold" grpId="0" nodeType="clickEffect">
+                                  <p:stCondLst>
+                                    <p:cond delay="0"/>
+                                  </p:stCondLst>
+                                  <p:childTnLst>
+                                    <p:set>
+                                      <p:cBhvr>
+                                        <p:cTn id="10" dur="1" fill="hold">
+                                          <p:stCondLst>
+                                            <p:cond delay="0"/>
+                                          </p:stCondLst>
+                                        </p:cTn>
+                                        <p:tgtEl>
+                                          <p:spTgt spid="9"/>
+                                        </p:tgtEl>
+                                        <p:attrNameLst>
+                                          <p:attrName>style.visibility</p:attrName>
+                                        </p:attrNameLst>
+                                      </p:cBhvr>
+                                      <p:to>
+                                        <p:strVal val="visible"/>
+                                      </p:to>
+                                    </p:set>
+                                  </p:childTnLst>
+                                </p:cTn>
+                              </p:par>
+                            </p:childTnLst>
+                          </p:cTn>
+                        </p:par>
+                      </p:childTnLst>
+                    </p:cTn>
+                  </p:par>
+                  <p:par>
+                    <p:cTn id="11" fill="hold">
+                      <p:stCondLst>
+                        <p:cond delay="indefinite"/>
+                      </p:stCondLst>
+                      <p:childTnLst>
+                        <p:par>
+                          <p:cTn id="12" fill="hold">
+                            <p:stCondLst>
+                              <p:cond delay="0"/>
+                            </p:stCondLst>
+                            <p:childTnLst>
+                              <p:par>
+                                <p:cTn id="13" presetID="1" presetClass="entr" presetSubtype="0" fill="hold" grpId="0" nodeType="clickEffect">
+                                  <p:stCondLst>
+                                    <p:cond delay="0"/>
+                                  </p:stCondLst>
+                                  <p:childTnLst>
+                                    <p:set>
+                                      <p:cBhvr>
+                                        <p:cTn id="14" dur="1" fill="hold">
+                                          <p:stCondLst>
+                                            <p:cond delay="0"/>
+                                          </p:stCondLst>
+                                        </p:cTn>
+                                        <p:tgtEl>
+                                          <p:spTgt spid="8"/>
+                                        </p:tgtEl>
+                                        <p:attrNameLst>
+                                          <p:attrName>style.visibility</p:attrName>
+                                        </p:attrNameLst>
+                                      </p:cBhvr>
+                                      <p:to>
+                                        <p:strVal val="visible"/>
+                                      </p:to>
+                                    </p:set>
+                                  </p:childTnLst>
+                                </p:cTn>
+                              </p:par>
+                            </p:childTnLst>
+                          </p:cTn>
+                        </p:par>
+                      </p:childTnLst>
+                    </p:cTn>
+                  </p:par>
+                  <p:par>
+                    <p:cTn id="15" fill="hold">
+                      <p:stCondLst>
+                        <p:cond delay="indefinite"/>
+                      </p:stCondLst>
+                      <p:childTnLst>
+                        <p:par>
+                          <p:cTn id="16" fill="hold">
+                            <p:stCondLst>
+                              <p:cond delay="0"/>
+                            </p:stCondLst>
+                            <p:childTnLst>
+                              <p:par>
+                                <p:cTn id="17" presetID="1" presetClass="entr" presetSubtype="0" fill="hold" grpId="0" nodeType="clickEffect">
+                                  <p:stCondLst>
+                                    <p:cond delay="0"/>
+                                  </p:stCondLst>
+                                  <p:childTnLst>
+                                    <p:set>
+                                      <p:cBhvr>
+                                        <p:cTn id="18" dur="1" fill="hold">
+                                          <p:stCondLst>
+                                            <p:cond delay="0"/>
+                                          </p:stCondLst>
+                                        </p:cTn>
+                                        <p:tgtEl>
+                                          <p:spTgt spid="10"/>
+                                        </p:tgtEl>
+                                        <p:attrNameLst>
+                                          <p:attrName>style.visibility</p:attrName>
+                                        </p:attrNameLst>
+                                      </p:cBhvr>
+                                      <p:to>
+                                        <p:strVal val="visible"/>
+                                      </p:to>
+                                    </p:set>
+                                  </p:childTnLst>
+                                </p:cTn>
+                              </p:par>
+                            </p:childTnLst>
+                          </p:cTn>
+                        </p:par>
+                      </p:childTnLst>
+                    </p:cTn>
+                  </p:par>
+                </p:childTnLst>
+              </p:cTn>
+              <p:prevCondLst>
+                <p:cond evt="onPrev" delay="0">
+                  <p:tgtEl>
+                    <p:sldTgt/>
+                  </p:tgtEl>
+                </p:cond>
+              </p:prevCondLst>
+              <p:nextCondLst>
+                <p:cond evt="onNext" delay="0">
+                  <p:tgtEl>
+                    <p:sldTgt/>
+                  </p:tgtEl>
+                </p:cond>
+              </p:nextCondLst>
+            </p:seq>
+          </p:childTnLst>
+        </p:cTn>
+      </p:par>
+    </p:tnLst>
+    <p:bldLst>
+      <p:bldP spid="7" grpId="0"/>
+      <p:bldP spid="8" grpId="0"/>
+      <p:bldP spid="9" grpId="0"/>
+      <p:bldP spid="10" grpId="0"/>
+    </p:bldLst>
+  </p:timing>
 </p:sld>
 </file>
 
